--- a/slides/Welcome_20s2.pptx
+++ b/slides/Welcome_20s2.pptx
@@ -658,7 +658,7 @@
               <a:pPr>
                 <a:defRPr/>
               </a:pPr>
-              <a:t>1/11/21</a:t>
+              <a:t>1/12/2021</a:t>
             </a:fld>
             <a:endParaRPr lang="en-US"/>
           </a:p>
@@ -968,18 +968,7 @@
           <a:lstStyle/>
           <a:p>
             <a:pPr eaLnBrk="1" hangingPunct="1"/>
-            <a:r>
-              <a:rPr lang="en-GB" dirty="0"/>
-              <a:t>You may want to spend about 15 minutes on this, before moving on to the other</a:t>
-            </a:r>
-            <a:r>
-              <a:rPr lang="en-GB" baseline="0" dirty="0"/>
-              <a:t> PowerPoint files</a:t>
-            </a:r>
-            <a:r>
-              <a:rPr lang="en-GB" dirty="0"/>
-              <a:t>.</a:t>
-            </a:r>
+            <a:endParaRPr lang="en-GB" dirty="0"/>
           </a:p>
         </p:txBody>
       </p:sp>
@@ -1098,34 +1087,6 @@
               <a:buFont typeface="Calibri" pitchFamily="34" charset="0"/>
               <a:buAutoNum type="arabicPeriod"/>
             </a:pPr>
-            <a:r>
-              <a:rPr lang="en-US" dirty="0"/>
-              <a:t>You may show them the dates of the tests on the CS1010 website.</a:t>
-            </a:r>
-          </a:p>
-          <a:p>
-            <a:pPr marL="224298" indent="-224298" eaLnBrk="1" hangingPunct="1">
-              <a:buFont typeface="Calibri" pitchFamily="34" charset="0"/>
-              <a:buAutoNum type="arabicPeriod"/>
-            </a:pPr>
-            <a:r>
-              <a:rPr lang="en-US" dirty="0"/>
-              <a:t>Remember to remind students to inform us if they have clash with the test dates.</a:t>
-            </a:r>
-          </a:p>
-          <a:p>
-            <a:pPr marL="224298" indent="-224298" eaLnBrk="1" hangingPunct="1">
-              <a:buFont typeface="Calibri" pitchFamily="34" charset="0"/>
-              <a:buAutoNum type="arabicPeriod"/>
-            </a:pPr>
-            <a:r>
-              <a:rPr lang="en-US" dirty="0"/>
-              <a:t>Especially</a:t>
-            </a:r>
-            <a:r>
-              <a:rPr lang="en-US" baseline="0" dirty="0"/>
-              <a:t> for PE1 on 21 September 2013, Saturday as it falls within the official 1-week recess.</a:t>
-            </a:r>
             <a:endParaRPr lang="en-US" dirty="0"/>
           </a:p>
         </p:txBody>
@@ -1360,34 +1321,6 @@
           <a:bodyPr/>
           <a:lstStyle/>
           <a:p>
-            <a:pPr marL="225240" indent="-225240" eaLnBrk="1" hangingPunct="1">
-              <a:buFont typeface="Calibri" pitchFamily="34" charset="0"/>
-              <a:buAutoNum type="arabicPeriod"/>
-            </a:pPr>
-            <a:r>
-              <a:rPr lang="en-GB" dirty="0"/>
-              <a:t>This is a slide for your customization. You can choose to tell your students anything you want. For example, if you took CS1010</a:t>
-            </a:r>
-            <a:r>
-              <a:rPr lang="en-GB" baseline="0" dirty="0"/>
-              <a:t> </a:t>
-            </a:r>
-            <a:r>
-              <a:rPr lang="en-GB" dirty="0"/>
-              <a:t>last year, you can tell students about what their seniors thought about this module, or your own thoughts. If you didn’t teach CS1010, you can tell your students about what you expect of them.</a:t>
-            </a:r>
-          </a:p>
-          <a:p>
-            <a:pPr marL="225240" indent="-225240" eaLnBrk="1" hangingPunct="1">
-              <a:buFont typeface="Calibri" pitchFamily="34" charset="0"/>
-              <a:buAutoNum type="arabicPeriod"/>
-            </a:pPr>
-            <a:r>
-              <a:rPr lang="en-GB" dirty="0"/>
-              <a:t>You may download this PowerPoint file, and fill in this slide with your own message and show it to your students in class.</a:t>
-            </a:r>
-          </a:p>
-          <a:p>
             <a:pPr marL="0" indent="0" eaLnBrk="1" hangingPunct="1">
               <a:buFont typeface="Calibri" pitchFamily="34" charset="0"/>
               <a:buNone/>
@@ -1755,14 +1688,6 @@
           <a:lstStyle/>
           <a:p>
             <a:pPr eaLnBrk="1" hangingPunct="1"/>
-            <a:r>
-              <a:rPr lang="en-US" dirty="0"/>
-              <a:t>Other language-independent</a:t>
-            </a:r>
-            <a:r>
-              <a:rPr lang="en-US" baseline="0" dirty="0"/>
-              <a:t> and transferable skills: logical thinking, writing algorithms, test and debugging, etc.</a:t>
-            </a:r>
             <a:endParaRPr lang="en-US" dirty="0"/>
           </a:p>
         </p:txBody>
@@ -1882,34 +1807,6 @@
               <a:buFont typeface="Calibri" pitchFamily="34" charset="0"/>
               <a:buAutoNum type="arabicPeriod"/>
             </a:pPr>
-            <a:r>
-              <a:rPr lang="en-US" dirty="0"/>
-              <a:t>You may show them the dates of the tests on the CS1010 website.</a:t>
-            </a:r>
-          </a:p>
-          <a:p>
-            <a:pPr marL="224298" indent="-224298" eaLnBrk="1" hangingPunct="1">
-              <a:buFont typeface="Calibri" pitchFamily="34" charset="0"/>
-              <a:buAutoNum type="arabicPeriod"/>
-            </a:pPr>
-            <a:r>
-              <a:rPr lang="en-US" dirty="0"/>
-              <a:t>Remember to remind students to inform us if they have clash with the test dates.</a:t>
-            </a:r>
-          </a:p>
-          <a:p>
-            <a:pPr marL="224298" indent="-224298" eaLnBrk="1" hangingPunct="1">
-              <a:buFont typeface="Calibri" pitchFamily="34" charset="0"/>
-              <a:buAutoNum type="arabicPeriod"/>
-            </a:pPr>
-            <a:r>
-              <a:rPr lang="en-US" dirty="0"/>
-              <a:t>Especially</a:t>
-            </a:r>
-            <a:r>
-              <a:rPr lang="en-US" baseline="0" dirty="0"/>
-              <a:t> for PE1 on 21 September 2013, Saturday as it falls within the official 1-week recess.</a:t>
-            </a:r>
             <a:endParaRPr lang="en-US" dirty="0"/>
           </a:p>
         </p:txBody>
@@ -2029,34 +1926,6 @@
               <a:buFont typeface="Calibri" pitchFamily="34" charset="0"/>
               <a:buAutoNum type="arabicPeriod"/>
             </a:pPr>
-            <a:r>
-              <a:rPr lang="en-US" dirty="0"/>
-              <a:t>You may show them the dates of the tests on the CS1010 website.</a:t>
-            </a:r>
-          </a:p>
-          <a:p>
-            <a:pPr marL="224298" indent="-224298" eaLnBrk="1" hangingPunct="1">
-              <a:buFont typeface="Calibri" pitchFamily="34" charset="0"/>
-              <a:buAutoNum type="arabicPeriod"/>
-            </a:pPr>
-            <a:r>
-              <a:rPr lang="en-US" dirty="0"/>
-              <a:t>Remember to remind students to inform us if they have clash with the test dates.</a:t>
-            </a:r>
-          </a:p>
-          <a:p>
-            <a:pPr marL="224298" indent="-224298" eaLnBrk="1" hangingPunct="1">
-              <a:buFont typeface="Calibri" pitchFamily="34" charset="0"/>
-              <a:buAutoNum type="arabicPeriod"/>
-            </a:pPr>
-            <a:r>
-              <a:rPr lang="en-US" dirty="0"/>
-              <a:t>Especially</a:t>
-            </a:r>
-            <a:r>
-              <a:rPr lang="en-US" baseline="0" dirty="0"/>
-              <a:t> for PE1 on 21 September 2013, Saturday as it falls within the official 1-week recess.</a:t>
-            </a:r>
             <a:endParaRPr lang="en-US" dirty="0"/>
           </a:p>
         </p:txBody>
@@ -2176,34 +2045,6 @@
               <a:buFont typeface="Calibri" pitchFamily="34" charset="0"/>
               <a:buAutoNum type="arabicPeriod"/>
             </a:pPr>
-            <a:r>
-              <a:rPr lang="en-US" dirty="0"/>
-              <a:t>You may show them the dates of the tests on the CS1010 website.</a:t>
-            </a:r>
-          </a:p>
-          <a:p>
-            <a:pPr marL="224298" indent="-224298" eaLnBrk="1" hangingPunct="1">
-              <a:buFont typeface="Calibri" pitchFamily="34" charset="0"/>
-              <a:buAutoNum type="arabicPeriod"/>
-            </a:pPr>
-            <a:r>
-              <a:rPr lang="en-US" dirty="0"/>
-              <a:t>Remember to remind students to inform us if they have clash with the test dates.</a:t>
-            </a:r>
-          </a:p>
-          <a:p>
-            <a:pPr marL="224298" indent="-224298" eaLnBrk="1" hangingPunct="1">
-              <a:buFont typeface="Calibri" pitchFamily="34" charset="0"/>
-              <a:buAutoNum type="arabicPeriod"/>
-            </a:pPr>
-            <a:r>
-              <a:rPr lang="en-US" dirty="0"/>
-              <a:t>Especially</a:t>
-            </a:r>
-            <a:r>
-              <a:rPr lang="en-US" baseline="0" dirty="0"/>
-              <a:t> for PE1 on 21 September 2013, Saturday as it falls within the official 1-week recess.</a:t>
-            </a:r>
             <a:endParaRPr lang="en-US" dirty="0"/>
           </a:p>
         </p:txBody>
@@ -2323,34 +2164,6 @@
               <a:buFont typeface="Calibri" pitchFamily="34" charset="0"/>
               <a:buAutoNum type="arabicPeriod"/>
             </a:pPr>
-            <a:r>
-              <a:rPr lang="en-US" dirty="0"/>
-              <a:t>You may show them the dates of the tests on the CS1010 website.</a:t>
-            </a:r>
-          </a:p>
-          <a:p>
-            <a:pPr marL="224298" indent="-224298" eaLnBrk="1" hangingPunct="1">
-              <a:buFont typeface="Calibri" pitchFamily="34" charset="0"/>
-              <a:buAutoNum type="arabicPeriod"/>
-            </a:pPr>
-            <a:r>
-              <a:rPr lang="en-US" dirty="0"/>
-              <a:t>Remember to remind students to inform us if they have clash with the test dates.</a:t>
-            </a:r>
-          </a:p>
-          <a:p>
-            <a:pPr marL="224298" indent="-224298" eaLnBrk="1" hangingPunct="1">
-              <a:buFont typeface="Calibri" pitchFamily="34" charset="0"/>
-              <a:buAutoNum type="arabicPeriod"/>
-            </a:pPr>
-            <a:r>
-              <a:rPr lang="en-US" dirty="0"/>
-              <a:t>Especially</a:t>
-            </a:r>
-            <a:r>
-              <a:rPr lang="en-US" baseline="0" dirty="0"/>
-              <a:t> for PE1 on 21 September 2013, Saturday as it falls within the official 1-week recess.</a:t>
-            </a:r>
             <a:endParaRPr lang="en-US" dirty="0"/>
           </a:p>
         </p:txBody>
@@ -2465,37 +2278,6 @@
         <p:txBody>
           <a:bodyPr/>
           <a:lstStyle/>
-          <a:p>
-            <a:pPr marL="0" marR="0" indent="0" algn="l" defTabSz="914400" rtl="0" eaLnBrk="1" fontAlgn="base" latinLnBrk="0" hangingPunct="1">
-              <a:lnSpc>
-                <a:spcPct val="100000"/>
-              </a:lnSpc>
-              <a:spcBef>
-                <a:spcPct val="30000"/>
-              </a:spcBef>
-              <a:spcAft>
-                <a:spcPct val="0"/>
-              </a:spcAft>
-              <a:buClrTx/>
-              <a:buSzTx/>
-              <a:buFontTx/>
-              <a:buNone/>
-              <a:tabLst/>
-              <a:defRPr/>
-            </a:pPr>
-            <a:r>
-              <a:rPr lang="en-US" dirty="0"/>
-              <a:t>If you want, you may give students a QUICK tour of</a:t>
-            </a:r>
-            <a:r>
-              <a:rPr lang="en-US" baseline="0" dirty="0"/>
-              <a:t> the</a:t>
-            </a:r>
-            <a:r>
-              <a:rPr lang="en-US" dirty="0"/>
-              <a:t> CS1010 website.</a:t>
-            </a:r>
-          </a:p>
           <a:p>
             <a:pPr eaLnBrk="1" hangingPunct="1"/>
             <a:endParaRPr lang="en-US" dirty="0"/>
@@ -6214,6 +5996,13 @@
   <p:transition>
     <p:fade/>
   </p:transition>
+  <p:timing>
+    <p:tnLst>
+      <p:par>
+        <p:cTn id="1" dur="indefinite" restart="never" nodeType="tmRoot"/>
+      </p:par>
+    </p:tnLst>
+  </p:timing>
 </p:sld>
 </file>
 
@@ -6643,6 +6432,13 @@
   <p:transition>
     <p:fade/>
   </p:transition>
+  <p:timing>
+    <p:tnLst>
+      <p:par>
+        <p:cTn id="1" dur="indefinite" restart="never" nodeType="tmRoot"/>
+      </p:par>
+    </p:tnLst>
+  </p:timing>
 </p:sld>
 </file>
 
@@ -7061,6 +6857,13 @@
   <p:transition>
     <p:fade/>
   </p:transition>
+  <p:timing>
+    <p:tnLst>
+      <p:par>
+        <p:cTn id="1" dur="indefinite" restart="never" nodeType="tmRoot"/>
+      </p:par>
+    </p:tnLst>
+  </p:timing>
 </p:sld>
 </file>
 
@@ -9134,102 +8937,7 @@
   <p:timing>
     <p:tnLst>
       <p:par>
-        <p:cTn id="1" dur="indefinite" restart="never" nodeType="tmRoot">
-          <p:childTnLst>
-            <p:seq concurrent="1" nextAc="seek">
-              <p:cTn id="2" dur="indefinite" nodeType="mainSeq">
-                <p:childTnLst>
-                  <p:par>
-                    <p:cTn id="3" fill="hold">
-                      <p:stCondLst>
-                        <p:cond delay="indefinite"/>
-                      </p:stCondLst>
-                      <p:childTnLst>
-                        <p:par>
-                          <p:cTn id="4" fill="hold">
-                            <p:stCondLst>
-                              <p:cond delay="0"/>
-                            </p:stCondLst>
-                            <p:childTnLst>
-                              <p:par>
-                                <p:cTn id="5" presetID="1" presetClass="entr" presetSubtype="0" fill="hold" nodeType="clickEffect">
-                                  <p:stCondLst>
-                                    <p:cond delay="0"/>
-                                  </p:stCondLst>
-                                  <p:childTnLst>
-                                    <p:set>
-                                      <p:cBhvr>
-                                        <p:cTn id="6" dur="1" fill="hold">
-                                          <p:stCondLst>
-                                            <p:cond delay="0"/>
-                                          </p:stCondLst>
-                                        </p:cTn>
-                                        <p:tgtEl>
-                                          <p:spTgt spid="16"/>
-                                        </p:tgtEl>
-                                        <p:attrNameLst>
-                                          <p:attrName>style.visibility</p:attrName>
-                                        </p:attrNameLst>
-                                      </p:cBhvr>
-                                      <p:to>
-                                        <p:strVal val="visible"/>
-                                      </p:to>
-                                    </p:set>
-                                  </p:childTnLst>
-                                </p:cTn>
-                              </p:par>
-                              <p:par>
-                                <p:cTn id="7" presetID="1" presetClass="entr" presetSubtype="0" fill="hold" nodeType="withEffect">
-                                  <p:stCondLst>
-                                    <p:cond delay="0"/>
-                                  </p:stCondLst>
-                                  <p:childTnLst>
-                                    <p:set>
-                                      <p:cBhvr>
-                                        <p:cTn id="8" dur="1" fill="hold">
-                                          <p:stCondLst>
-                                            <p:cond delay="0"/>
-                                          </p:stCondLst>
-                                        </p:cTn>
-                                        <p:tgtEl>
-                                          <p:spTgt spid="17"/>
-                                        </p:tgtEl>
-                                        <p:attrNameLst>
-                                          <p:attrName>style.visibility</p:attrName>
-                                        </p:attrNameLst>
-                                      </p:cBhvr>
-                                      <p:to>
-                                        <p:strVal val="visible"/>
-                                      </p:to>
-                                    </p:set>
-                                  </p:childTnLst>
-                                </p:cTn>
-                              </p:par>
-                            </p:childTnLst>
-                          </p:cTn>
-                        </p:par>
-                      </p:childTnLst>
-                    </p:cTn>
-                  </p:par>
-                </p:childTnLst>
-              </p:cTn>
-              <p:prevCondLst>
-                <p:cond evt="onPrev" delay="0">
-                  <p:tgtEl>
-                    <p:sldTgt/>
-                  </p:tgtEl>
-                </p:cond>
-              </p:prevCondLst>
-              <p:nextCondLst>
-                <p:cond evt="onNext" delay="0">
-                  <p:tgtEl>
-                    <p:sldTgt/>
-                  </p:tgtEl>
-                </p:cond>
-              </p:nextCondLst>
-            </p:seq>
-          </p:childTnLst>
-        </p:cTn>
+        <p:cTn id="1" dur="indefinite" restart="never" nodeType="tmRoot"/>
       </p:par>
     </p:tnLst>
   </p:timing>
@@ -10046,6 +9754,13 @@
   <p:transition>
     <p:fade/>
   </p:transition>
+  <p:timing>
+    <p:tnLst>
+      <p:par>
+        <p:cTn id="1" dur="indefinite" restart="never" nodeType="tmRoot"/>
+      </p:par>
+    </p:tnLst>
+  </p:timing>
 </p:sld>
 </file>
 
@@ -10404,6 +10119,13 @@
   <p:transition>
     <p:fade/>
   </p:transition>
+  <p:timing>
+    <p:tnLst>
+      <p:par>
+        <p:cTn id="1" dur="indefinite" restart="never" nodeType="tmRoot"/>
+      </p:par>
+    </p:tnLst>
+  </p:timing>
 </p:sld>
 </file>
 
@@ -10774,6 +10496,10 @@
               </a:buClr>
               <a:buSzPct val="120000"/>
             </a:pPr>
+            <a:r>
+              <a:rPr lang="en-GB" sz="2800" dirty="0"/>
+              <a:t/>
+            </a:r>
             <a:br>
               <a:rPr lang="en-GB" sz="2800" dirty="0"/>
             </a:br>
@@ -11529,6 +11255,13 @@
   <p:transition>
     <p:fade/>
   </p:transition>
+  <p:timing>
+    <p:tnLst>
+      <p:par>
+        <p:cTn id="1" dur="indefinite" restart="never" nodeType="tmRoot"/>
+      </p:par>
+    </p:tnLst>
+  </p:timing>
 </p:sld>
 </file>
 
